--- a/ASMU432/ppts/Early1980s.pptx
+++ b/ASMU432/ppts/Early1980s.pptx
@@ -122,6 +122,58 @@
 </p:presentation>
 </file>
 
+<file path=ppt/revisionInfo.xml><?xml version="1.0" encoding="utf-8"?>
+<p1510:revInfo xmlns:a="http://schemas.openxmlformats.org/drawingml/2006/main" xmlns:r="http://schemas.openxmlformats.org/officeDocument/2006/relationships" xmlns:p1510="http://schemas.microsoft.com/office/powerpoint/2015/10/main">
+  <p1510:revLst>
+    <p1510:client id="{10CA0767-E971-4A94-A0E8-48BFC1F19035}" v="1" dt="2019-11-27T23:43:18.252"/>
+  </p1510:revLst>
+</p1510:revInfo>
+</file>
+
+<file path=ppt/changesInfos/changesInfo1.xml><?xml version="1.0" encoding="utf-8"?>
+<pc:chgInfo xmlns:a="http://schemas.openxmlformats.org/drawingml/2006/main" xmlns:r="http://schemas.openxmlformats.org/officeDocument/2006/relationships" xmlns:ac="http://schemas.microsoft.com/office/drawing/2013/main/command" xmlns:pc="http://schemas.microsoft.com/office/powerpoint/2013/main/command">
+  <pc:docChgLst>
+    <pc:chgData name="Mark Baker" userId="7debe814d9197520" providerId="LiveId" clId="{10CA0767-E971-4A94-A0E8-48BFC1F19035}"/>
+    <pc:docChg chg="custSel modSld">
+      <pc:chgData name="Mark Baker" userId="7debe814d9197520" providerId="LiveId" clId="{10CA0767-E971-4A94-A0E8-48BFC1F19035}" dt="2019-11-27T23:44:09.894" v="22" actId="20577"/>
+      <pc:docMkLst>
+        <pc:docMk/>
+      </pc:docMkLst>
+      <pc:sldChg chg="modSp">
+        <pc:chgData name="Mark Baker" userId="7debe814d9197520" providerId="LiveId" clId="{10CA0767-E971-4A94-A0E8-48BFC1F19035}" dt="2019-11-27T23:44:09.894" v="22" actId="20577"/>
+        <pc:sldMkLst>
+          <pc:docMk/>
+          <pc:sldMk cId="1591316385" sldId="257"/>
+        </pc:sldMkLst>
+        <pc:spChg chg="mod">
+          <ac:chgData name="Mark Baker" userId="7debe814d9197520" providerId="LiveId" clId="{10CA0767-E971-4A94-A0E8-48BFC1F19035}" dt="2019-11-27T23:44:09.894" v="22" actId="20577"/>
+          <ac:spMkLst>
+            <pc:docMk/>
+            <pc:sldMk cId="1591316385" sldId="257"/>
+            <ac:spMk id="3" creationId="{00000000-0000-0000-0000-000000000000}"/>
+          </ac:spMkLst>
+        </pc:spChg>
+      </pc:sldChg>
+      <pc:sldChg chg="modSp">
+        <pc:chgData name="Mark Baker" userId="7debe814d9197520" providerId="LiveId" clId="{10CA0767-E971-4A94-A0E8-48BFC1F19035}" dt="2019-11-27T23:41:23.249" v="7" actId="27636"/>
+        <pc:sldMkLst>
+          <pc:docMk/>
+          <pc:sldMk cId="2215571256" sldId="262"/>
+        </pc:sldMkLst>
+        <pc:spChg chg="mod">
+          <ac:chgData name="Mark Baker" userId="7debe814d9197520" providerId="LiveId" clId="{10CA0767-E971-4A94-A0E8-48BFC1F19035}" dt="2019-11-27T23:41:23.249" v="7" actId="27636"/>
+          <ac:spMkLst>
+            <pc:docMk/>
+            <pc:sldMk cId="2215571256" sldId="262"/>
+            <ac:spMk id="3" creationId="{00000000-0000-0000-0000-000000000000}"/>
+          </ac:spMkLst>
+        </pc:spChg>
+      </pc:sldChg>
+    </pc:docChg>
+  </pc:docChgLst>
+</pc:chgInfo>
+</file>
+
 <file path=ppt/notesMasters/notesMaster1.xml><?xml version="1.0" encoding="utf-8"?>
 <p:notesMaster xmlns:a="http://schemas.openxmlformats.org/drawingml/2006/main" xmlns:r="http://schemas.openxmlformats.org/officeDocument/2006/relationships" xmlns:p="http://schemas.openxmlformats.org/presentationml/2006/main">
   <p:cSld>
@@ -204,7 +256,7 @@
           <a:p>
             <a:fld id="{544556C9-4597-45AE-B681-35F41CD0F3A6}" type="datetimeFigureOut">
               <a:rPr lang="en-US" smtClean="0"/>
-              <a:t>12/19/2016</a:t>
+              <a:t>11/27/2019</a:t>
             </a:fld>
             <a:endParaRPr lang="en-US"/>
           </a:p>
@@ -268,38 +320,37 @@
           <a:p>
             <a:pPr lvl="0"/>
             <a:r>
-              <a:rPr lang="en-US" smtClean="0"/>
+              <a:rPr lang="en-US"/>
               <a:t>Click to edit Master text styles</a:t>
             </a:r>
           </a:p>
           <a:p>
             <a:pPr lvl="1"/>
             <a:r>
-              <a:rPr lang="en-US" smtClean="0"/>
+              <a:rPr lang="en-US"/>
               <a:t>Second level</a:t>
             </a:r>
           </a:p>
           <a:p>
             <a:pPr lvl="2"/>
             <a:r>
-              <a:rPr lang="en-US" smtClean="0"/>
+              <a:rPr lang="en-US"/>
               <a:t>Third level</a:t>
             </a:r>
           </a:p>
           <a:p>
             <a:pPr lvl="3"/>
             <a:r>
-              <a:rPr lang="en-US" smtClean="0"/>
+              <a:rPr lang="en-US"/>
               <a:t>Fourth level</a:t>
             </a:r>
           </a:p>
           <a:p>
             <a:pPr lvl="4"/>
             <a:r>
-              <a:rPr lang="en-US" smtClean="0"/>
+              <a:rPr lang="en-US"/>
               <a:t>Fifth level</a:t>
             </a:r>
-            <a:endParaRPr lang="en-US"/>
           </a:p>
         </p:txBody>
       </p:sp>
@@ -517,11 +568,11 @@
           <a:lstStyle/>
           <a:p>
             <a:r>
-              <a:rPr lang="en-US" dirty="0" smtClean="0"/>
+              <a:rPr lang="en-US" dirty="0"/>
               <a:t>Source: </a:t>
             </a:r>
             <a:r>
-              <a:rPr lang="en-US" sz="1200" b="0" i="1" kern="1200" dirty="0" smtClean="0">
+              <a:rPr lang="en-US" sz="1200" b="0" i="1" kern="1200" dirty="0">
                 <a:solidFill>
                   <a:schemeClr val="tx1"/>
                 </a:solidFill>
@@ -533,7 +584,7 @@
               <a:t>Springsteen</a:t>
             </a:r>
             <a:r>
-              <a:rPr lang="en-US" sz="1200" b="0" i="0" kern="1200" dirty="0" smtClean="0">
+              <a:rPr lang="en-US" sz="1200" b="0" i="0" kern="1200" dirty="0">
                 <a:solidFill>
                   <a:schemeClr val="tx1"/>
                 </a:solidFill>
@@ -545,7 +596,7 @@
               <a:t>. Robert </a:t>
             </a:r>
             <a:r>
-              <a:rPr lang="en-US" sz="1200" b="0" i="0" kern="1200" dirty="0" err="1" smtClean="0">
+              <a:rPr lang="en-US" sz="1200" b="0" i="0" kern="1200" dirty="0" err="1">
                 <a:solidFill>
                   <a:schemeClr val="tx1"/>
                 </a:solidFill>
@@ -557,7 +608,7 @@
               <a:t>Hilburn</a:t>
             </a:r>
             <a:r>
-              <a:rPr lang="en-US" sz="1200" b="0" i="0" kern="1200" dirty="0" smtClean="0">
+              <a:rPr lang="en-US" sz="1200" b="0" i="0" kern="1200" dirty="0">
                 <a:solidFill>
                   <a:schemeClr val="tx1"/>
                 </a:solidFill>
@@ -653,10 +704,9 @@
           <a:lstStyle/>
           <a:p>
             <a:r>
-              <a:rPr lang="en-US" dirty="0" smtClean="0"/>
+              <a:rPr lang="en-US" dirty="0"/>
               <a:t>Source: http://www.cbsnews.com/news/john-lennon-remembered-08-12-2005/</a:t>
             </a:r>
-            <a:endParaRPr lang="en-US" dirty="0"/>
           </a:p>
         </p:txBody>
       </p:sp>
@@ -738,10 +788,9 @@
           </a:lstStyle>
           <a:p>
             <a:r>
-              <a:rPr lang="en-US" smtClean="0"/>
+              <a:rPr lang="en-US"/>
               <a:t>Click to edit Master title style</a:t>
             </a:r>
-            <a:endParaRPr lang="en-US"/>
           </a:p>
         </p:txBody>
       </p:sp>
@@ -803,10 +852,9 @@
           </a:lstStyle>
           <a:p>
             <a:r>
-              <a:rPr lang="en-US" smtClean="0"/>
+              <a:rPr lang="en-US"/>
               <a:t>Click to edit Master subtitle style</a:t>
             </a:r>
-            <a:endParaRPr lang="en-US"/>
           </a:p>
         </p:txBody>
       </p:sp>
@@ -827,7 +875,7 @@
           <a:p>
             <a:fld id="{95AC6F6B-305D-4463-AA9F-81EE481FDABB}" type="datetimeFigureOut">
               <a:rPr lang="en-US" smtClean="0"/>
-              <a:t>12/19/2016</a:t>
+              <a:t>11/27/2019</a:t>
             </a:fld>
             <a:endParaRPr lang="en-US"/>
           </a:p>
@@ -921,10 +969,9 @@
           <a:lstStyle/>
           <a:p>
             <a:r>
-              <a:rPr lang="en-US" smtClean="0"/>
+              <a:rPr lang="en-US"/>
               <a:t>Click to edit Master title style</a:t>
             </a:r>
-            <a:endParaRPr lang="en-US"/>
           </a:p>
         </p:txBody>
       </p:sp>
@@ -945,38 +992,37 @@
           <a:p>
             <a:pPr lvl="0"/>
             <a:r>
-              <a:rPr lang="en-US" smtClean="0"/>
+              <a:rPr lang="en-US"/>
               <a:t>Click to edit Master text styles</a:t>
             </a:r>
           </a:p>
           <a:p>
             <a:pPr lvl="1"/>
             <a:r>
-              <a:rPr lang="en-US" smtClean="0"/>
+              <a:rPr lang="en-US"/>
               <a:t>Second level</a:t>
             </a:r>
           </a:p>
           <a:p>
             <a:pPr lvl="2"/>
             <a:r>
-              <a:rPr lang="en-US" smtClean="0"/>
+              <a:rPr lang="en-US"/>
               <a:t>Third level</a:t>
             </a:r>
           </a:p>
           <a:p>
             <a:pPr lvl="3"/>
             <a:r>
-              <a:rPr lang="en-US" smtClean="0"/>
+              <a:rPr lang="en-US"/>
               <a:t>Fourth level</a:t>
             </a:r>
           </a:p>
           <a:p>
             <a:pPr lvl="4"/>
             <a:r>
-              <a:rPr lang="en-US" smtClean="0"/>
+              <a:rPr lang="en-US"/>
               <a:t>Fifth level</a:t>
             </a:r>
-            <a:endParaRPr lang="en-US"/>
           </a:p>
         </p:txBody>
       </p:sp>
@@ -997,7 +1043,7 @@
           <a:p>
             <a:fld id="{95AC6F6B-305D-4463-AA9F-81EE481FDABB}" type="datetimeFigureOut">
               <a:rPr lang="en-US" smtClean="0"/>
-              <a:t>12/19/2016</a:t>
+              <a:t>11/27/2019</a:t>
             </a:fld>
             <a:endParaRPr lang="en-US"/>
           </a:p>
@@ -1096,10 +1142,9 @@
           <a:lstStyle/>
           <a:p>
             <a:r>
-              <a:rPr lang="en-US" smtClean="0"/>
+              <a:rPr lang="en-US"/>
               <a:t>Click to edit Master title style</a:t>
             </a:r>
-            <a:endParaRPr lang="en-US"/>
           </a:p>
         </p:txBody>
       </p:sp>
@@ -1125,38 +1170,37 @@
           <a:p>
             <a:pPr lvl="0"/>
             <a:r>
-              <a:rPr lang="en-US" smtClean="0"/>
+              <a:rPr lang="en-US"/>
               <a:t>Click to edit Master text styles</a:t>
             </a:r>
           </a:p>
           <a:p>
             <a:pPr lvl="1"/>
             <a:r>
-              <a:rPr lang="en-US" smtClean="0"/>
+              <a:rPr lang="en-US"/>
               <a:t>Second level</a:t>
             </a:r>
           </a:p>
           <a:p>
             <a:pPr lvl="2"/>
             <a:r>
-              <a:rPr lang="en-US" smtClean="0"/>
+              <a:rPr lang="en-US"/>
               <a:t>Third level</a:t>
             </a:r>
           </a:p>
           <a:p>
             <a:pPr lvl="3"/>
             <a:r>
-              <a:rPr lang="en-US" smtClean="0"/>
+              <a:rPr lang="en-US"/>
               <a:t>Fourth level</a:t>
             </a:r>
           </a:p>
           <a:p>
             <a:pPr lvl="4"/>
             <a:r>
-              <a:rPr lang="en-US" smtClean="0"/>
+              <a:rPr lang="en-US"/>
               <a:t>Fifth level</a:t>
             </a:r>
-            <a:endParaRPr lang="en-US"/>
           </a:p>
         </p:txBody>
       </p:sp>
@@ -1177,7 +1221,7 @@
           <a:p>
             <a:fld id="{95AC6F6B-305D-4463-AA9F-81EE481FDABB}" type="datetimeFigureOut">
               <a:rPr lang="en-US" smtClean="0"/>
-              <a:t>12/19/2016</a:t>
+              <a:t>11/27/2019</a:t>
             </a:fld>
             <a:endParaRPr lang="en-US"/>
           </a:p>
@@ -1271,10 +1315,9 @@
           <a:lstStyle/>
           <a:p>
             <a:r>
-              <a:rPr lang="en-US" smtClean="0"/>
+              <a:rPr lang="en-US"/>
               <a:t>Click to edit Master title style</a:t>
             </a:r>
-            <a:endParaRPr lang="en-US"/>
           </a:p>
         </p:txBody>
       </p:sp>
@@ -1295,38 +1338,37 @@
           <a:p>
             <a:pPr lvl="0"/>
             <a:r>
-              <a:rPr lang="en-US" smtClean="0"/>
+              <a:rPr lang="en-US"/>
               <a:t>Click to edit Master text styles</a:t>
             </a:r>
           </a:p>
           <a:p>
             <a:pPr lvl="1"/>
             <a:r>
-              <a:rPr lang="en-US" smtClean="0"/>
+              <a:rPr lang="en-US"/>
               <a:t>Second level</a:t>
             </a:r>
           </a:p>
           <a:p>
             <a:pPr lvl="2"/>
             <a:r>
-              <a:rPr lang="en-US" smtClean="0"/>
+              <a:rPr lang="en-US"/>
               <a:t>Third level</a:t>
             </a:r>
           </a:p>
           <a:p>
             <a:pPr lvl="3"/>
             <a:r>
-              <a:rPr lang="en-US" smtClean="0"/>
+              <a:rPr lang="en-US"/>
               <a:t>Fourth level</a:t>
             </a:r>
           </a:p>
           <a:p>
             <a:pPr lvl="4"/>
             <a:r>
-              <a:rPr lang="en-US" smtClean="0"/>
+              <a:rPr lang="en-US"/>
               <a:t>Fifth level</a:t>
             </a:r>
-            <a:endParaRPr lang="en-US"/>
           </a:p>
         </p:txBody>
       </p:sp>
@@ -1347,7 +1389,7 @@
           <a:p>
             <a:fld id="{95AC6F6B-305D-4463-AA9F-81EE481FDABB}" type="datetimeFigureOut">
               <a:rPr lang="en-US" smtClean="0"/>
-              <a:t>12/19/2016</a:t>
+              <a:t>11/27/2019</a:t>
             </a:fld>
             <a:endParaRPr lang="en-US"/>
           </a:p>
@@ -1450,10 +1492,9 @@
           </a:lstStyle>
           <a:p>
             <a:r>
-              <a:rPr lang="en-US" smtClean="0"/>
+              <a:rPr lang="en-US"/>
               <a:t>Click to edit Master title style</a:t>
             </a:r>
-            <a:endParaRPr lang="en-US"/>
           </a:p>
         </p:txBody>
       </p:sp>
@@ -1570,7 +1611,7 @@
           <a:p>
             <a:pPr lvl="0"/>
             <a:r>
-              <a:rPr lang="en-US" smtClean="0"/>
+              <a:rPr lang="en-US"/>
               <a:t>Click to edit Master text styles</a:t>
             </a:r>
           </a:p>
@@ -1593,7 +1634,7 @@
           <a:p>
             <a:fld id="{95AC6F6B-305D-4463-AA9F-81EE481FDABB}" type="datetimeFigureOut">
               <a:rPr lang="en-US" smtClean="0"/>
-              <a:t>12/19/2016</a:t>
+              <a:t>11/27/2019</a:t>
             </a:fld>
             <a:endParaRPr lang="en-US"/>
           </a:p>
@@ -1687,10 +1728,9 @@
           <a:lstStyle/>
           <a:p>
             <a:r>
-              <a:rPr lang="en-US" smtClean="0"/>
+              <a:rPr lang="en-US"/>
               <a:t>Click to edit Master title style</a:t>
             </a:r>
-            <a:endParaRPr lang="en-US"/>
           </a:p>
         </p:txBody>
       </p:sp>
@@ -1716,38 +1756,37 @@
           <a:p>
             <a:pPr lvl="0"/>
             <a:r>
-              <a:rPr lang="en-US" smtClean="0"/>
+              <a:rPr lang="en-US"/>
               <a:t>Click to edit Master text styles</a:t>
             </a:r>
           </a:p>
           <a:p>
             <a:pPr lvl="1"/>
             <a:r>
-              <a:rPr lang="en-US" smtClean="0"/>
+              <a:rPr lang="en-US"/>
               <a:t>Second level</a:t>
             </a:r>
           </a:p>
           <a:p>
             <a:pPr lvl="2"/>
             <a:r>
-              <a:rPr lang="en-US" smtClean="0"/>
+              <a:rPr lang="en-US"/>
               <a:t>Third level</a:t>
             </a:r>
           </a:p>
           <a:p>
             <a:pPr lvl="3"/>
             <a:r>
-              <a:rPr lang="en-US" smtClean="0"/>
+              <a:rPr lang="en-US"/>
               <a:t>Fourth level</a:t>
             </a:r>
           </a:p>
           <a:p>
             <a:pPr lvl="4"/>
             <a:r>
-              <a:rPr lang="en-US" smtClean="0"/>
+              <a:rPr lang="en-US"/>
               <a:t>Fifth level</a:t>
             </a:r>
-            <a:endParaRPr lang="en-US"/>
           </a:p>
         </p:txBody>
       </p:sp>
@@ -1773,38 +1812,37 @@
           <a:p>
             <a:pPr lvl="0"/>
             <a:r>
-              <a:rPr lang="en-US" smtClean="0"/>
+              <a:rPr lang="en-US"/>
               <a:t>Click to edit Master text styles</a:t>
             </a:r>
           </a:p>
           <a:p>
             <a:pPr lvl="1"/>
             <a:r>
-              <a:rPr lang="en-US" smtClean="0"/>
+              <a:rPr lang="en-US"/>
               <a:t>Second level</a:t>
             </a:r>
           </a:p>
           <a:p>
             <a:pPr lvl="2"/>
             <a:r>
-              <a:rPr lang="en-US" smtClean="0"/>
+              <a:rPr lang="en-US"/>
               <a:t>Third level</a:t>
             </a:r>
           </a:p>
           <a:p>
             <a:pPr lvl="3"/>
             <a:r>
-              <a:rPr lang="en-US" smtClean="0"/>
+              <a:rPr lang="en-US"/>
               <a:t>Fourth level</a:t>
             </a:r>
           </a:p>
           <a:p>
             <a:pPr lvl="4"/>
             <a:r>
-              <a:rPr lang="en-US" smtClean="0"/>
+              <a:rPr lang="en-US"/>
               <a:t>Fifth level</a:t>
             </a:r>
-            <a:endParaRPr lang="en-US"/>
           </a:p>
         </p:txBody>
       </p:sp>
@@ -1825,7 +1863,7 @@
           <a:p>
             <a:fld id="{95AC6F6B-305D-4463-AA9F-81EE481FDABB}" type="datetimeFigureOut">
               <a:rPr lang="en-US" smtClean="0"/>
-              <a:t>12/19/2016</a:t>
+              <a:t>11/27/2019</a:t>
             </a:fld>
             <a:endParaRPr lang="en-US"/>
           </a:p>
@@ -1924,10 +1962,9 @@
           <a:lstStyle/>
           <a:p>
             <a:r>
-              <a:rPr lang="en-US" smtClean="0"/>
+              <a:rPr lang="en-US"/>
               <a:t>Click to edit Master title style</a:t>
             </a:r>
-            <a:endParaRPr lang="en-US"/>
           </a:p>
         </p:txBody>
       </p:sp>
@@ -1990,7 +2027,7 @@
           <a:p>
             <a:pPr lvl="0"/>
             <a:r>
-              <a:rPr lang="en-US" smtClean="0"/>
+              <a:rPr lang="en-US"/>
               <a:t>Click to edit Master text styles</a:t>
             </a:r>
           </a:p>
@@ -2018,38 +2055,37 @@
           <a:p>
             <a:pPr lvl="0"/>
             <a:r>
-              <a:rPr lang="en-US" smtClean="0"/>
+              <a:rPr lang="en-US"/>
               <a:t>Click to edit Master text styles</a:t>
             </a:r>
           </a:p>
           <a:p>
             <a:pPr lvl="1"/>
             <a:r>
-              <a:rPr lang="en-US" smtClean="0"/>
+              <a:rPr lang="en-US"/>
               <a:t>Second level</a:t>
             </a:r>
           </a:p>
           <a:p>
             <a:pPr lvl="2"/>
             <a:r>
-              <a:rPr lang="en-US" smtClean="0"/>
+              <a:rPr lang="en-US"/>
               <a:t>Third level</a:t>
             </a:r>
           </a:p>
           <a:p>
             <a:pPr lvl="3"/>
             <a:r>
-              <a:rPr lang="en-US" smtClean="0"/>
+              <a:rPr lang="en-US"/>
               <a:t>Fourth level</a:t>
             </a:r>
           </a:p>
           <a:p>
             <a:pPr lvl="4"/>
             <a:r>
-              <a:rPr lang="en-US" smtClean="0"/>
+              <a:rPr lang="en-US"/>
               <a:t>Fifth level</a:t>
             </a:r>
-            <a:endParaRPr lang="en-US"/>
           </a:p>
         </p:txBody>
       </p:sp>
@@ -2112,7 +2148,7 @@
           <a:p>
             <a:pPr lvl="0"/>
             <a:r>
-              <a:rPr lang="en-US" smtClean="0"/>
+              <a:rPr lang="en-US"/>
               <a:t>Click to edit Master text styles</a:t>
             </a:r>
           </a:p>
@@ -2140,38 +2176,37 @@
           <a:p>
             <a:pPr lvl="0"/>
             <a:r>
-              <a:rPr lang="en-US" smtClean="0"/>
+              <a:rPr lang="en-US"/>
               <a:t>Click to edit Master text styles</a:t>
             </a:r>
           </a:p>
           <a:p>
             <a:pPr lvl="1"/>
             <a:r>
-              <a:rPr lang="en-US" smtClean="0"/>
+              <a:rPr lang="en-US"/>
               <a:t>Second level</a:t>
             </a:r>
           </a:p>
           <a:p>
             <a:pPr lvl="2"/>
             <a:r>
-              <a:rPr lang="en-US" smtClean="0"/>
+              <a:rPr lang="en-US"/>
               <a:t>Third level</a:t>
             </a:r>
           </a:p>
           <a:p>
             <a:pPr lvl="3"/>
             <a:r>
-              <a:rPr lang="en-US" smtClean="0"/>
+              <a:rPr lang="en-US"/>
               <a:t>Fourth level</a:t>
             </a:r>
           </a:p>
           <a:p>
             <a:pPr lvl="4"/>
             <a:r>
-              <a:rPr lang="en-US" smtClean="0"/>
+              <a:rPr lang="en-US"/>
               <a:t>Fifth level</a:t>
             </a:r>
-            <a:endParaRPr lang="en-US"/>
           </a:p>
         </p:txBody>
       </p:sp>
@@ -2192,7 +2227,7 @@
           <a:p>
             <a:fld id="{95AC6F6B-305D-4463-AA9F-81EE481FDABB}" type="datetimeFigureOut">
               <a:rPr lang="en-US" smtClean="0"/>
-              <a:t>12/19/2016</a:t>
+              <a:t>11/27/2019</a:t>
             </a:fld>
             <a:endParaRPr lang="en-US"/>
           </a:p>
@@ -2286,10 +2321,9 @@
           <a:lstStyle/>
           <a:p>
             <a:r>
-              <a:rPr lang="en-US" smtClean="0"/>
+              <a:rPr lang="en-US"/>
               <a:t>Click to edit Master title style</a:t>
             </a:r>
-            <a:endParaRPr lang="en-US"/>
           </a:p>
         </p:txBody>
       </p:sp>
@@ -2310,7 +2344,7 @@
           <a:p>
             <a:fld id="{95AC6F6B-305D-4463-AA9F-81EE481FDABB}" type="datetimeFigureOut">
               <a:rPr lang="en-US" smtClean="0"/>
-              <a:t>12/19/2016</a:t>
+              <a:t>11/27/2019</a:t>
             </a:fld>
             <a:endParaRPr lang="en-US"/>
           </a:p>
@@ -2405,7 +2439,7 @@
           <a:p>
             <a:fld id="{95AC6F6B-305D-4463-AA9F-81EE481FDABB}" type="datetimeFigureOut">
               <a:rPr lang="en-US" smtClean="0"/>
-              <a:t>12/19/2016</a:t>
+              <a:t>11/27/2019</a:t>
             </a:fld>
             <a:endParaRPr lang="en-US"/>
           </a:p>
@@ -2508,10 +2542,9 @@
           </a:lstStyle>
           <a:p>
             <a:r>
-              <a:rPr lang="en-US" smtClean="0"/>
+              <a:rPr lang="en-US"/>
               <a:t>Click to edit Master title style</a:t>
             </a:r>
-            <a:endParaRPr lang="en-US"/>
           </a:p>
         </p:txBody>
       </p:sp>
@@ -2565,38 +2598,37 @@
           <a:p>
             <a:pPr lvl="0"/>
             <a:r>
-              <a:rPr lang="en-US" smtClean="0"/>
+              <a:rPr lang="en-US"/>
               <a:t>Click to edit Master text styles</a:t>
             </a:r>
           </a:p>
           <a:p>
             <a:pPr lvl="1"/>
             <a:r>
-              <a:rPr lang="en-US" smtClean="0"/>
+              <a:rPr lang="en-US"/>
               <a:t>Second level</a:t>
             </a:r>
           </a:p>
           <a:p>
             <a:pPr lvl="2"/>
             <a:r>
-              <a:rPr lang="en-US" smtClean="0"/>
+              <a:rPr lang="en-US"/>
               <a:t>Third level</a:t>
             </a:r>
           </a:p>
           <a:p>
             <a:pPr lvl="3"/>
             <a:r>
-              <a:rPr lang="en-US" smtClean="0"/>
+              <a:rPr lang="en-US"/>
               <a:t>Fourth level</a:t>
             </a:r>
           </a:p>
           <a:p>
             <a:pPr lvl="4"/>
             <a:r>
-              <a:rPr lang="en-US" smtClean="0"/>
+              <a:rPr lang="en-US"/>
               <a:t>Fifth level</a:t>
             </a:r>
-            <a:endParaRPr lang="en-US"/>
           </a:p>
         </p:txBody>
       </p:sp>
@@ -2659,7 +2691,7 @@
           <a:p>
             <a:pPr lvl="0"/>
             <a:r>
-              <a:rPr lang="en-US" smtClean="0"/>
+              <a:rPr lang="en-US"/>
               <a:t>Click to edit Master text styles</a:t>
             </a:r>
           </a:p>
@@ -2682,7 +2714,7 @@
           <a:p>
             <a:fld id="{95AC6F6B-305D-4463-AA9F-81EE481FDABB}" type="datetimeFigureOut">
               <a:rPr lang="en-US" smtClean="0"/>
-              <a:t>12/19/2016</a:t>
+              <a:t>11/27/2019</a:t>
             </a:fld>
             <a:endParaRPr lang="en-US"/>
           </a:p>
@@ -2785,10 +2817,9 @@
           </a:lstStyle>
           <a:p>
             <a:r>
-              <a:rPr lang="en-US" smtClean="0"/>
+              <a:rPr lang="en-US"/>
               <a:t>Click to edit Master title style</a:t>
             </a:r>
-            <a:endParaRPr lang="en-US"/>
           </a:p>
         </p:txBody>
       </p:sp>
@@ -2912,7 +2943,7 @@
           <a:p>
             <a:pPr lvl="0"/>
             <a:r>
-              <a:rPr lang="en-US" smtClean="0"/>
+              <a:rPr lang="en-US"/>
               <a:t>Click to edit Master text styles</a:t>
             </a:r>
           </a:p>
@@ -2935,7 +2966,7 @@
           <a:p>
             <a:fld id="{95AC6F6B-305D-4463-AA9F-81EE481FDABB}" type="datetimeFigureOut">
               <a:rPr lang="en-US" smtClean="0"/>
-              <a:t>12/19/2016</a:t>
+              <a:t>11/27/2019</a:t>
             </a:fld>
             <a:endParaRPr lang="en-US"/>
           </a:p>
@@ -3054,10 +3085,9 @@
           <a:lstStyle/>
           <a:p>
             <a:r>
-              <a:rPr lang="en-US" smtClean="0"/>
+              <a:rPr lang="en-US"/>
               <a:t>Click to edit Master title style</a:t>
             </a:r>
-            <a:endParaRPr lang="en-US"/>
           </a:p>
         </p:txBody>
       </p:sp>
@@ -3088,38 +3118,37 @@
           <a:p>
             <a:pPr lvl="0"/>
             <a:r>
-              <a:rPr lang="en-US" smtClean="0"/>
+              <a:rPr lang="en-US"/>
               <a:t>Click to edit Master text styles</a:t>
             </a:r>
           </a:p>
           <a:p>
             <a:pPr lvl="1"/>
             <a:r>
-              <a:rPr lang="en-US" smtClean="0"/>
+              <a:rPr lang="en-US"/>
               <a:t>Second level</a:t>
             </a:r>
           </a:p>
           <a:p>
             <a:pPr lvl="2"/>
             <a:r>
-              <a:rPr lang="en-US" smtClean="0"/>
+              <a:rPr lang="en-US"/>
               <a:t>Third level</a:t>
             </a:r>
           </a:p>
           <a:p>
             <a:pPr lvl="3"/>
             <a:r>
-              <a:rPr lang="en-US" smtClean="0"/>
+              <a:rPr lang="en-US"/>
               <a:t>Fourth level</a:t>
             </a:r>
           </a:p>
           <a:p>
             <a:pPr lvl="4"/>
             <a:r>
-              <a:rPr lang="en-US" smtClean="0"/>
+              <a:rPr lang="en-US"/>
               <a:t>Fifth level</a:t>
             </a:r>
-            <a:endParaRPr lang="en-US"/>
           </a:p>
         </p:txBody>
       </p:sp>
@@ -3158,7 +3187,7 @@
           <a:p>
             <a:fld id="{95AC6F6B-305D-4463-AA9F-81EE481FDABB}" type="datetimeFigureOut">
               <a:rPr lang="en-US" smtClean="0"/>
-              <a:t>12/19/2016</a:t>
+              <a:t>11/27/2019</a:t>
             </a:fld>
             <a:endParaRPr lang="en-US"/>
           </a:p>
@@ -3581,16 +3610,12 @@
           <a:lstStyle/>
           <a:p>
             <a:r>
-              <a:rPr lang="en-US" sz="8000" dirty="0" smtClean="0">
+              <a:rPr lang="en-US" sz="8000" dirty="0">
                 <a:latin typeface="Aharoni" panose="02010803020104030203" pitchFamily="2" charset="-79"/>
                 <a:cs typeface="Aharoni" panose="02010803020104030203" pitchFamily="2" charset="-79"/>
               </a:rPr>
               <a:t>Rock and Roll in the late1970s in USA</a:t>
             </a:r>
-            <a:endParaRPr lang="en-US" sz="8000" dirty="0">
-              <a:latin typeface="Aharoni" panose="02010803020104030203" pitchFamily="2" charset="-79"/>
-              <a:cs typeface="Aharoni" panose="02010803020104030203" pitchFamily="2" charset="-79"/>
-            </a:endParaRPr>
           </a:p>
         </p:txBody>
       </p:sp>
@@ -3612,22 +3637,21 @@
           <a:lstStyle/>
           <a:p>
             <a:r>
-              <a:rPr lang="en-US" sz="3600" b="1" dirty="0" smtClean="0"/>
+              <a:rPr lang="en-US" sz="3600" b="1" dirty="0"/>
               <a:t>Country Rock, Jersey Shore Rock, </a:t>
             </a:r>
           </a:p>
           <a:p>
             <a:r>
-              <a:rPr lang="en-US" sz="3600" b="1" dirty="0" smtClean="0"/>
+              <a:rPr lang="en-US" sz="3600" b="1" dirty="0"/>
               <a:t>and </a:t>
             </a:r>
           </a:p>
           <a:p>
             <a:r>
-              <a:rPr lang="en-US" sz="3600" b="1" dirty="0" smtClean="0"/>
+              <a:rPr lang="en-US" sz="3600" b="1" dirty="0"/>
               <a:t>John Lennon</a:t>
             </a:r>
-            <a:endParaRPr lang="en-US" sz="3600" b="1" dirty="0"/>
           </a:p>
         </p:txBody>
       </p:sp>
@@ -3641,13 +3665,6 @@
   <p:clrMapOvr>
     <a:masterClrMapping/>
   </p:clrMapOvr>
-  <p:timing>
-    <p:tnLst>
-      <p:par>
-        <p:cTn id="1" dur="indefinite" restart="never" nodeType="tmRoot"/>
-      </p:par>
-    </p:tnLst>
-  </p:timing>
 </p:sld>
 </file>
 
@@ -3686,16 +3703,12 @@
           <a:lstStyle/>
           <a:p>
             <a:r>
-              <a:rPr lang="en-US" sz="7200" dirty="0" smtClean="0">
+              <a:rPr lang="en-US" sz="7200" dirty="0">
                 <a:latin typeface="Aharoni" panose="02010803020104030203" pitchFamily="2" charset="-79"/>
                 <a:cs typeface="Aharoni" panose="02010803020104030203" pitchFamily="2" charset="-79"/>
               </a:rPr>
               <a:t>The Eagles, 1971-1980</a:t>
             </a:r>
-            <a:endParaRPr lang="en-US" sz="7200" dirty="0">
-              <a:latin typeface="Aharoni" panose="02010803020104030203" pitchFamily="2" charset="-79"/>
-              <a:cs typeface="Aharoni" panose="02010803020104030203" pitchFamily="2" charset="-79"/>
-            </a:endParaRPr>
           </a:p>
         </p:txBody>
       </p:sp>
@@ -3717,79 +3730,70 @@
           <a:lstStyle/>
           <a:p>
             <a:r>
-              <a:rPr lang="en-US" dirty="0" smtClean="0"/>
+              <a:rPr lang="en-US" dirty="0"/>
               <a:t>Began as Linda Ronstadt’s band: Don Henley (drums) and Glenn Frey (guitar).</a:t>
             </a:r>
           </a:p>
           <a:p>
             <a:r>
               <a:rPr lang="en-US" dirty="0"/>
-              <a:t>T</a:t>
-            </a:r>
-            <a:r>
-              <a:rPr lang="en-US" dirty="0" smtClean="0"/>
-              <a:t>oured on Ronstadt’s Silk Purse tour.</a:t>
-            </a:r>
-          </a:p>
-          <a:p>
-            <a:r>
-              <a:rPr lang="en-US" dirty="0" smtClean="0"/>
+              <a:t>Toured on Ronstadt’s Silk Purse tour.</a:t>
+            </a:r>
+          </a:p>
+          <a:p>
+            <a:r>
+              <a:rPr lang="en-US" dirty="0"/>
               <a:t>Randy </a:t>
             </a:r>
             <a:r>
               <a:rPr lang="en-US" dirty="0" err="1"/>
-              <a:t>M</a:t>
-            </a:r>
-            <a:r>
-              <a:rPr lang="en-US" dirty="0" err="1" smtClean="0"/>
-              <a:t>eisner</a:t>
-            </a:r>
-            <a:r>
-              <a:rPr lang="en-US" dirty="0" smtClean="0"/>
+              <a:t>Meisner</a:t>
+            </a:r>
+            <a:r>
+              <a:rPr lang="en-US" dirty="0"/>
               <a:t> (bass), Bernie Leadon (guitar)</a:t>
             </a:r>
           </a:p>
           <a:p>
             <a:r>
-              <a:rPr lang="en-US" dirty="0" smtClean="0"/>
+              <a:rPr lang="en-US" dirty="0"/>
               <a:t>Peyote and Tequila, Mojave desert, Hopi Indians: </a:t>
             </a:r>
             <a:r>
-              <a:rPr lang="en-US" smtClean="0"/>
+              <a:rPr lang="en-US"/>
               <a:t>The Eagles</a:t>
             </a:r>
-            <a:endParaRPr lang="en-US" dirty="0" smtClean="0"/>
-          </a:p>
-          <a:p>
-            <a:r>
-              <a:rPr lang="en-US" dirty="0" smtClean="0"/>
+            <a:endParaRPr lang="en-US" dirty="0"/>
+          </a:p>
+          <a:p>
+            <a:r>
+              <a:rPr lang="en-US" dirty="0"/>
               <a:t>Country rock</a:t>
             </a:r>
           </a:p>
           <a:p>
             <a:r>
-              <a:rPr lang="en-US" dirty="0" smtClean="0"/>
+              <a:rPr lang="en-US" dirty="0"/>
               <a:t>Mainstream</a:t>
             </a:r>
           </a:p>
           <a:p>
             <a:r>
-              <a:rPr lang="en-US" dirty="0" smtClean="0"/>
+              <a:rPr lang="en-US" dirty="0"/>
               <a:t>Sometimes edgy lyrics</a:t>
             </a:r>
           </a:p>
           <a:p>
             <a:r>
-              <a:rPr lang="en-US" dirty="0" smtClean="0"/>
+              <a:rPr lang="en-US" dirty="0"/>
               <a:t>First hit: “Take it easy,” written by Frey and Jackson Browne, 1971</a:t>
             </a:r>
           </a:p>
           <a:p>
             <a:r>
-              <a:rPr lang="en-US" dirty="0" smtClean="0"/>
+              <a:rPr lang="en-US" dirty="0"/>
               <a:t>“Witchy Woman,” “Peaceful Easy Feeling”</a:t>
             </a:r>
-            <a:endParaRPr lang="en-US" dirty="0"/>
           </a:p>
         </p:txBody>
       </p:sp>
@@ -3803,13 +3807,6 @@
   <p:clrMapOvr>
     <a:masterClrMapping/>
   </p:clrMapOvr>
-  <p:timing>
-    <p:tnLst>
-      <p:par>
-        <p:cTn id="1" dur="indefinite" restart="never" nodeType="tmRoot"/>
-      </p:par>
-    </p:tnLst>
-  </p:timing>
 </p:sld>
 </file>
 
@@ -3876,85 +3873,57 @@
           <a:lstStyle/>
           <a:p>
             <a:r>
-              <a:rPr lang="en-US" dirty="0" smtClean="0"/>
+              <a:rPr lang="en-US" dirty="0"/>
               <a:t>1974: Don Felder “Fingers” joined the band on steel and electric guitar.</a:t>
             </a:r>
           </a:p>
           <a:p>
             <a:r>
-              <a:rPr lang="en-US" i="1" dirty="0" smtClean="0"/>
+              <a:rPr lang="en-US" i="1" dirty="0"/>
               <a:t>One of These Nights</a:t>
             </a:r>
             <a:r>
-              <a:rPr lang="en-US" dirty="0" smtClean="0"/>
+              <a:rPr lang="en-US" dirty="0"/>
               <a:t>, nominated from a Grammy.</a:t>
             </a:r>
           </a:p>
           <a:p>
             <a:r>
-              <a:rPr lang="en-US" dirty="0" smtClean="0"/>
+              <a:rPr lang="en-US" dirty="0"/>
               <a:t>1975: Leadon left, replaced by Joe Walsh (guitar, vocals, keyboard).</a:t>
             </a:r>
           </a:p>
           <a:p>
             <a:r>
-              <a:rPr lang="en-US" dirty="0" smtClean="0"/>
+              <a:rPr lang="en-US" dirty="0"/>
               <a:t>1976: </a:t>
             </a:r>
             <a:r>
               <a:rPr lang="en-US" i="1" dirty="0"/>
-              <a:t>Their Greatest Hits </a:t>
-            </a:r>
-            <a:r>
-              <a:rPr lang="en-US" i="1" dirty="0" smtClean="0"/>
-              <a:t>1971–1975</a:t>
-            </a:r>
-            <a:r>
-              <a:rPr lang="en-US" dirty="0" smtClean="0"/>
-              <a:t>: </a:t>
-            </a:r>
-            <a:r>
-              <a:rPr lang="en-US" dirty="0"/>
-              <a:t>highest-selling album in U.S. </a:t>
-            </a:r>
-            <a:r>
-              <a:rPr lang="en-US" dirty="0" smtClean="0"/>
-              <a:t>history: 29 </a:t>
-            </a:r>
-            <a:r>
-              <a:rPr lang="en-US" dirty="0"/>
-              <a:t>million copies sold </a:t>
-            </a:r>
-            <a:r>
-              <a:rPr lang="en-US" dirty="0" smtClean="0"/>
-              <a:t>in USA; 42 </a:t>
-            </a:r>
-            <a:r>
-              <a:rPr lang="en-US" dirty="0"/>
-              <a:t>million copies </a:t>
-            </a:r>
-            <a:r>
-              <a:rPr lang="en-US" dirty="0" smtClean="0"/>
-              <a:t>worldwide.</a:t>
-            </a:r>
-          </a:p>
-          <a:p>
-            <a:r>
-              <a:rPr lang="en-US" dirty="0" smtClean="0"/>
+              <a:t>Their Greatest Hits 1971–1975</a:t>
+            </a:r>
+            <a:r>
+              <a:rPr lang="en-US" dirty="0"/>
+              <a:t>: highest-selling album in U.S. history: 29 million copies sold in USA; 42 million copies worldwide.</a:t>
+            </a:r>
+          </a:p>
+          <a:p>
+            <a:r>
+              <a:rPr lang="en-US" dirty="0"/>
               <a:t>Dec. 1976: </a:t>
             </a:r>
             <a:r>
-              <a:rPr lang="en-US" i="1" dirty="0" smtClean="0"/>
+              <a:rPr lang="en-US" i="1" dirty="0"/>
               <a:t>Hotel California</a:t>
             </a:r>
             <a:r>
-              <a:rPr lang="en-US" dirty="0" smtClean="0"/>
+              <a:rPr lang="en-US" dirty="0"/>
               <a:t>: “New Kid in Town” and “Hotel California” huge hits.</a:t>
             </a:r>
           </a:p>
           <a:p>
             <a:r>
-              <a:rPr lang="en-US" dirty="0" smtClean="0"/>
+              <a:rPr lang="en-US" dirty="0"/>
               <a:t>“Hotel California” has been variously interpreted.</a:t>
             </a:r>
           </a:p>
@@ -3963,19 +3932,13 @@
               <a:rPr lang="en-US" dirty="0">
                 <a:hlinkClick r:id="rId2"/>
               </a:rPr>
-              <a:t>https://</a:t>
-            </a:r>
-            <a:r>
-              <a:rPr lang="en-US" dirty="0" smtClean="0">
-                <a:hlinkClick r:id="rId2"/>
-              </a:rPr>
-              <a:t>www.youtube.com/watch?v=iqODbP1T3nk</a:t>
-            </a:r>
-            <a:endParaRPr lang="en-US" dirty="0" smtClean="0"/>
-          </a:p>
-          <a:p>
-            <a:r>
-              <a:rPr lang="en-US" dirty="0" smtClean="0"/>
+              <a:t>https://www.youtube.com/watch?v=iqODbP1T3nk</a:t>
+            </a:r>
+            <a:endParaRPr lang="en-US" dirty="0"/>
+          </a:p>
+          <a:p>
+            <a:r>
+              <a:rPr lang="en-US" dirty="0"/>
               <a:t>“The Last Resort,” surprisingly critical of USA and Christians.</a:t>
             </a:r>
           </a:p>
@@ -3994,13 +3957,6 @@
   <p:clrMapOvr>
     <a:masterClrMapping/>
   </p:clrMapOvr>
-  <p:timing>
-    <p:tnLst>
-      <p:par>
-        <p:cTn id="1" dur="indefinite" restart="never" nodeType="tmRoot"/>
-      </p:par>
-    </p:tnLst>
-  </p:timing>
 </p:sld>
 </file>
 
@@ -4044,16 +4000,12 @@
           <a:lstStyle/>
           <a:p>
             <a:r>
-              <a:rPr lang="en-US" sz="5400" dirty="0" smtClean="0">
+              <a:rPr lang="en-US" sz="5400" dirty="0">
                 <a:latin typeface="Aharoni" panose="02010803020104030203" pitchFamily="2" charset="-79"/>
                 <a:cs typeface="Aharoni" panose="02010803020104030203" pitchFamily="2" charset="-79"/>
               </a:rPr>
               <a:t>Bruce Springsteen, 1965 to present</a:t>
             </a:r>
-            <a:endParaRPr lang="en-US" sz="5400" dirty="0">
-              <a:latin typeface="Aharoni" panose="02010803020104030203" pitchFamily="2" charset="-79"/>
-              <a:cs typeface="Aharoni" panose="02010803020104030203" pitchFamily="2" charset="-79"/>
-            </a:endParaRPr>
           </a:p>
         </p:txBody>
       </p:sp>
@@ -4069,72 +4021,56 @@
         </p:nvSpPr>
         <p:spPr>
           <a:xfrm>
-            <a:off x="838200" y="1825625"/>
-            <a:ext cx="4915486" cy="4518904"/>
+            <a:off x="838199" y="1825625"/>
+            <a:ext cx="5807697" cy="4518904"/>
           </a:xfrm>
         </p:spPr>
         <p:txBody>
           <a:bodyPr>
-            <a:normAutofit fontScale="92500" lnSpcReduction="20000"/>
+            <a:normAutofit fontScale="92500" lnSpcReduction="10000"/>
           </a:bodyPr>
           <a:lstStyle/>
           <a:p>
             <a:r>
-              <a:rPr lang="en-US" dirty="0" smtClean="0"/>
-              <a:t>New </a:t>
-            </a:r>
-            <a:r>
-              <a:rPr lang="en-US" dirty="0"/>
-              <a:t>J</a:t>
-            </a:r>
-            <a:r>
-              <a:rPr lang="en-US" dirty="0" smtClean="0"/>
-              <a:t>ersey born (and sound)</a:t>
-            </a:r>
-          </a:p>
-          <a:p>
-            <a:r>
-              <a:rPr lang="en-US" dirty="0" smtClean="0"/>
+              <a:rPr lang="en-US" dirty="0"/>
+              <a:t>New Jersey born (and sound)</a:t>
+            </a:r>
+          </a:p>
+          <a:p>
+            <a:r>
+              <a:rPr lang="en-US" dirty="0"/>
               <a:t>Father, Dutch-Irish descent, worked as bus driver, often unemployed.</a:t>
             </a:r>
           </a:p>
           <a:p>
             <a:r>
-              <a:rPr lang="en-US" dirty="0" smtClean="0"/>
+              <a:rPr lang="en-US" dirty="0"/>
               <a:t>Mother, Adele </a:t>
             </a:r>
             <a:r>
-              <a:rPr lang="en-US" dirty="0" err="1" smtClean="0"/>
+              <a:rPr lang="en-US" dirty="0" err="1"/>
               <a:t>Zerilli</a:t>
             </a:r>
             <a:r>
-              <a:rPr lang="en-US" dirty="0" smtClean="0"/>
+              <a:rPr lang="en-US" dirty="0"/>
               <a:t>, Italian, legal secretary, main bread-winner.</a:t>
             </a:r>
           </a:p>
           <a:p>
             <a:r>
-              <a:rPr lang="en-US" dirty="0" smtClean="0"/>
-              <a:t>Catholic born and raised, </a:t>
-            </a:r>
-            <a:r>
-              <a:rPr lang="en-US" dirty="0"/>
-              <a:t>"loner, who wanted nothing more than to play his guitar</a:t>
-            </a:r>
-            <a:r>
-              <a:rPr lang="en-US" dirty="0" smtClean="0"/>
-              <a:t>.“</a:t>
-            </a:r>
-          </a:p>
-          <a:p>
-            <a:r>
-              <a:rPr lang="en-US" dirty="0" smtClean="0"/>
+              <a:rPr lang="en-US" dirty="0"/>
+              <a:t>Catholic born and raised, “loner, who wanted nothing more than to play his guitar.”</a:t>
+            </a:r>
+          </a:p>
+          <a:p>
+            <a:r>
+              <a:rPr lang="en-US" dirty="0"/>
               <a:t>Mom bought him a guitar for $16.</a:t>
             </a:r>
           </a:p>
           <a:p>
             <a:r>
-              <a:rPr lang="en-US" dirty="0" smtClean="0"/>
+              <a:rPr lang="en-US" dirty="0"/>
               <a:t>Managed to get a 4F and avoid Vietnam War.</a:t>
             </a:r>
           </a:p>
@@ -4183,13 +4119,6 @@
   <p:clrMapOvr>
     <a:masterClrMapping/>
   </p:clrMapOvr>
-  <p:timing>
-    <p:tnLst>
-      <p:par>
-        <p:cTn id="1" dur="indefinite" restart="never" nodeType="tmRoot"/>
-      </p:par>
-    </p:tnLst>
-  </p:timing>
 </p:sld>
 </file>
 
@@ -4257,40 +4186,39 @@
           <a:lstStyle/>
           <a:p>
             <a:r>
-              <a:rPr lang="en-US" dirty="0" smtClean="0"/>
+              <a:rPr lang="en-US" dirty="0"/>
               <a:t>Lead guitar, vocals, became “The Boss”</a:t>
             </a:r>
           </a:p>
           <a:p>
             <a:r>
-              <a:rPr lang="en-US" dirty="0" smtClean="0"/>
+              <a:rPr lang="en-US" dirty="0"/>
               <a:t>Gathered gradually the E Street Band.</a:t>
             </a:r>
           </a:p>
           <a:p>
             <a:r>
-              <a:rPr lang="en-US" dirty="0" smtClean="0"/>
+              <a:rPr lang="en-US" dirty="0"/>
               <a:t>Prolific writer, more words in one song than others’ whole albums.</a:t>
             </a:r>
           </a:p>
           <a:p>
             <a:r>
-              <a:rPr lang="en-US" dirty="0" smtClean="0"/>
+              <a:rPr lang="en-US" dirty="0"/>
               <a:t>Rock and Folk, mostly, poetic lyrics.</a:t>
             </a:r>
           </a:p>
           <a:p>
             <a:r>
-              <a:rPr lang="en-US" dirty="0" smtClean="0"/>
+              <a:rPr lang="en-US" dirty="0"/>
               <a:t>Sometimes very mainstream, other times adventurous.</a:t>
             </a:r>
           </a:p>
           <a:p>
             <a:r>
-              <a:rPr lang="en-US" dirty="0" smtClean="0"/>
+              <a:rPr lang="en-US" dirty="0"/>
               <a:t>Columbia Records signed in 1972, next Bob Dylan, but they wanted more popular music.</a:t>
             </a:r>
-            <a:endParaRPr lang="en-US" dirty="0"/>
           </a:p>
         </p:txBody>
       </p:sp>
@@ -4334,13 +4262,6 @@
   <p:clrMapOvr>
     <a:masterClrMapping/>
   </p:clrMapOvr>
-  <p:timing>
-    <p:tnLst>
-      <p:par>
-        <p:cTn id="1" dur="indefinite" restart="never" nodeType="tmRoot"/>
-      </p:par>
-    </p:tnLst>
-  </p:timing>
 </p:sld>
 </file>
 
@@ -4410,74 +4331,64 @@
           <a:lstStyle/>
           <a:p>
             <a:r>
-              <a:rPr lang="en-US" dirty="0" smtClean="0"/>
+              <a:rPr lang="en-US" dirty="0"/>
               <a:t>First album, </a:t>
             </a:r>
             <a:r>
-              <a:rPr lang="en-US" i="1" dirty="0" smtClean="0"/>
+              <a:rPr lang="en-US" i="1" dirty="0"/>
               <a:t>Greetings from Asbury Park, N. J.</a:t>
             </a:r>
             <a:r>
-              <a:rPr lang="en-US" dirty="0" smtClean="0"/>
+              <a:rPr lang="en-US" dirty="0"/>
               <a:t>, 1973</a:t>
             </a:r>
           </a:p>
           <a:p>
             <a:r>
-              <a:rPr lang="en-US" dirty="0" smtClean="0"/>
+              <a:rPr lang="en-US" dirty="0"/>
               <a:t>One of those that grew on you:</a:t>
             </a:r>
           </a:p>
           <a:p>
             <a:r>
-              <a:rPr lang="en-US" dirty="0" smtClean="0"/>
+              <a:rPr lang="en-US" dirty="0"/>
               <a:t>“Blinded by the Light” (later, huge hit for Manfred Mann’s </a:t>
             </a:r>
             <a:r>
-              <a:rPr lang="en-US" dirty="0" err="1" smtClean="0"/>
+              <a:rPr lang="en-US" dirty="0" err="1"/>
               <a:t>Earthband</a:t>
             </a:r>
             <a:r>
-              <a:rPr lang="en-US" dirty="0" smtClean="0"/>
+              <a:rPr lang="en-US" dirty="0"/>
               <a:t>, 1977)</a:t>
             </a:r>
           </a:p>
           <a:p>
             <a:r>
-              <a:rPr lang="en-US" dirty="0" smtClean="0"/>
+              <a:rPr lang="en-US" dirty="0"/>
               <a:t> “For You,” “</a:t>
             </a:r>
             <a:r>
-              <a:rPr lang="en-US" dirty="0" err="1" smtClean="0"/>
+              <a:rPr lang="en-US" dirty="0" err="1"/>
               <a:t>Growin</a:t>
             </a:r>
             <a:r>
-              <a:rPr lang="en-US" dirty="0" smtClean="0"/>
+              <a:rPr lang="en-US" dirty="0"/>
               <a:t>’ Up,” “Lost in the Flood,” “Spirit in the Night,” “It’s Hard to be a Saint in the City”.</a:t>
             </a:r>
           </a:p>
           <a:p>
             <a:r>
-              <a:rPr lang="en-US" dirty="0" smtClean="0"/>
-              <a:t> “Lost in </a:t>
-            </a:r>
-            <a:r>
-              <a:rPr lang="en-US" dirty="0"/>
-              <a:t>the Flood”: </a:t>
+              <a:rPr lang="en-US" dirty="0"/>
+              <a:t> “Lost in the Flood”: </a:t>
             </a:r>
             <a:r>
               <a:rPr lang="en-US" dirty="0">
                 <a:hlinkClick r:id="rId2"/>
               </a:rPr>
-              <a:t>https://</a:t>
-            </a:r>
-            <a:r>
-              <a:rPr lang="en-US" dirty="0" smtClean="0">
-                <a:hlinkClick r:id="rId2"/>
-              </a:rPr>
-              <a:t>www.youtube.com/watch?v=qLZu0OF_D7c</a:t>
-            </a:r>
-            <a:endParaRPr lang="en-US" dirty="0" smtClean="0"/>
+              <a:t>https://www.youtube.com/watch?v=qLZu0OF_D7c</a:t>
+            </a:r>
+            <a:endParaRPr lang="en-US" dirty="0"/>
           </a:p>
         </p:txBody>
       </p:sp>
@@ -4521,13 +4432,6 @@
   <p:clrMapOvr>
     <a:masterClrMapping/>
   </p:clrMapOvr>
-  <p:timing>
-    <p:tnLst>
-      <p:par>
-        <p:cTn id="1" dur="indefinite" restart="never" nodeType="tmRoot"/>
-      </p:par>
-    </p:tnLst>
-  </p:timing>
 </p:sld>
 </file>
 
@@ -4581,14 +4485,11 @@
           <a:lstStyle/>
           <a:p>
             <a:r>
-              <a:rPr lang="en-US" sz="6600" b="1" dirty="0" smtClean="0">
+              <a:rPr lang="en-US" sz="6600" b="1" dirty="0">
                 <a:latin typeface="Garamond" panose="02020404030301010803" pitchFamily="18" charset="0"/>
               </a:rPr>
               <a:t>John Lennon, 1940-1980</a:t>
             </a:r>
-            <a:endParaRPr lang="en-US" sz="6600" b="1" dirty="0">
-              <a:latin typeface="Garamond" panose="02020404030301010803" pitchFamily="18" charset="0"/>
-            </a:endParaRPr>
           </a:p>
         </p:txBody>
       </p:sp>
@@ -4615,68 +4516,65 @@
           <a:lstStyle/>
           <a:p>
             <a:r>
-              <a:rPr lang="en-US" dirty="0" smtClean="0"/>
+              <a:rPr lang="en-US" dirty="0"/>
               <a:t>Post Beatles career was interesting, but subdued.</a:t>
             </a:r>
           </a:p>
           <a:p>
             <a:r>
-              <a:rPr lang="en-US" dirty="0" smtClean="0"/>
-              <a:t>“</a:t>
-            </a:r>
-            <a:r>
-              <a:rPr lang="en-US" dirty="0"/>
-              <a:t>W</a:t>
-            </a:r>
-            <a:r>
-              <a:rPr lang="en-US" dirty="0" smtClean="0"/>
-              <a:t>orking Class Hero” (released 1971 [USA], 1975 [UK])</a:t>
+              <a:rPr lang="en-US" i="1" dirty="0"/>
+              <a:t>Imagine</a:t>
+            </a:r>
+            <a:r>
+              <a:rPr lang="en-US" dirty="0"/>
+              <a:t>, 1971</a:t>
+            </a:r>
+          </a:p>
+          <a:p>
+            <a:r>
+              <a:rPr lang="en-US" dirty="0"/>
+              <a:t>“Working Class Hero” (released 1971 [USA], 1975 [UK])</a:t>
             </a:r>
           </a:p>
           <a:p>
             <a:pPr lvl="1"/>
             <a:r>
-              <a:rPr lang="en-US" dirty="0" smtClean="0">
+              <a:rPr lang="en-US" dirty="0">
                 <a:hlinkClick r:id="rId3"/>
               </a:rPr>
               <a:t>https://www.youtube.com/watch?v=ziwsjE1O4Ow</a:t>
             </a:r>
-            <a:endParaRPr lang="en-US" dirty="0" smtClean="0"/>
-          </a:p>
-          <a:p>
-            <a:r>
-              <a:rPr lang="en-US" i="1" dirty="0" smtClean="0"/>
-              <a:t>Imagine</a:t>
-            </a:r>
-            <a:r>
-              <a:rPr lang="en-US" dirty="0" smtClean="0"/>
-              <a:t>, 1971</a:t>
-            </a:r>
-          </a:p>
-          <a:p>
-            <a:r>
-              <a:rPr lang="en-US" dirty="0" smtClean="0"/>
+            <a:endParaRPr lang="en-US" dirty="0"/>
+          </a:p>
+          <a:p>
+            <a:r>
+              <a:rPr lang="en-US" dirty="0"/>
               <a:t>May Pang, lover and experiment, 1971-1975</a:t>
             </a:r>
           </a:p>
           <a:p>
             <a:r>
-              <a:rPr lang="en-US" i="1" dirty="0" smtClean="0"/>
+              <a:rPr lang="en-US" i="1" dirty="0"/>
               <a:t>Rock and Roll</a:t>
             </a:r>
             <a:r>
-              <a:rPr lang="en-US" dirty="0" smtClean="0"/>
+              <a:rPr lang="en-US" dirty="0"/>
               <a:t>, 1975</a:t>
             </a:r>
           </a:p>
           <a:p>
             <a:r>
-              <a:rPr lang="en-US" dirty="0" smtClean="0"/>
-              <a:t>Retired to raise Sean.</a:t>
-            </a:r>
-          </a:p>
-          <a:p>
-            <a:endParaRPr lang="en-US" dirty="0" smtClean="0"/>
+              <a:rPr lang="en-US" dirty="0"/>
+              <a:t>Retired to raise Sean (b. </a:t>
+            </a:r>
+            <a:r>
+              <a:rPr lang="en-US"/>
+              <a:t>1975).</a:t>
+            </a:r>
+            <a:endParaRPr lang="en-US" dirty="0"/>
+          </a:p>
+          <a:p>
+            <a:endParaRPr lang="en-US" dirty="0"/>
           </a:p>
           <a:p>
             <a:endParaRPr lang="en-US" dirty="0"/>
@@ -4723,13 +4621,6 @@
   <p:clrMapOvr>
     <a:masterClrMapping/>
   </p:clrMapOvr>
-  <p:timing>
-    <p:tnLst>
-      <p:par>
-        <p:cTn id="1" dur="indefinite" restart="never" nodeType="tmRoot"/>
-      </p:par>
-    </p:tnLst>
-  </p:timing>
 </p:sld>
 </file>
 
@@ -4783,14 +4674,11 @@
           <a:lstStyle/>
           <a:p>
             <a:r>
-              <a:rPr lang="en-US" sz="5400" b="1" dirty="0" smtClean="0">
+              <a:rPr lang="en-US" sz="5400" b="1" dirty="0">
                 <a:latin typeface="Garamond" panose="02020404030301010803" pitchFamily="18" charset="0"/>
               </a:rPr>
               <a:t>Lennon’s death, 8 December 1980</a:t>
             </a:r>
-            <a:endParaRPr lang="en-US" sz="5400" b="1" dirty="0">
-              <a:latin typeface="Garamond" panose="02020404030301010803" pitchFamily="18" charset="0"/>
-            </a:endParaRPr>
           </a:p>
         </p:txBody>
       </p:sp>
@@ -4817,76 +4705,64 @@
           <a:lstStyle/>
           <a:p>
             <a:r>
-              <a:rPr lang="en-US" i="1" dirty="0" smtClean="0"/>
+              <a:rPr lang="en-US" i="1" dirty="0"/>
               <a:t>Double Fantasy</a:t>
             </a:r>
             <a:r>
-              <a:rPr lang="en-US" dirty="0" smtClean="0"/>
+              <a:rPr lang="en-US" dirty="0"/>
               <a:t>, 17 November 1980</a:t>
             </a:r>
           </a:p>
           <a:p>
             <a:r>
-              <a:rPr lang="en-US" dirty="0" smtClean="0"/>
+              <a:rPr lang="en-US" dirty="0"/>
               <a:t>Annie </a:t>
             </a:r>
             <a:r>
-              <a:rPr lang="en-US" dirty="0" err="1" smtClean="0"/>
+              <a:rPr lang="en-US" dirty="0" err="1"/>
               <a:t>Liebovitz</a:t>
             </a:r>
             <a:r>
-              <a:rPr lang="en-US" dirty="0" smtClean="0"/>
+              <a:rPr lang="en-US" dirty="0"/>
               <a:t> photo</a:t>
             </a:r>
           </a:p>
           <a:p>
             <a:r>
-              <a:rPr lang="en-US" dirty="0" smtClean="0"/>
-              <a:t>Last interview: “I </a:t>
-            </a:r>
-            <a:r>
-              <a:rPr lang="en-US" dirty="0"/>
-              <a:t>still believe in love, peace. I still believe in positive thinking. … And I consider that my work won't be finished until I'm dead and buried, and I hope that's a long, long time</a:t>
-            </a:r>
-            <a:r>
-              <a:rPr lang="en-US" dirty="0" smtClean="0"/>
-              <a:t>.“</a:t>
-            </a:r>
-          </a:p>
-          <a:p>
-            <a:r>
-              <a:rPr lang="en-US" dirty="0" smtClean="0"/>
+              <a:rPr lang="en-US" dirty="0"/>
+              <a:t>Last interview: “I still believe in love, peace. I still believe in positive thinking. … And I consider that my work won't be finished until I'm dead and buried, and I hope that's a long, long time.“</a:t>
+            </a:r>
+          </a:p>
+          <a:p>
+            <a:r>
+              <a:rPr lang="en-US" dirty="0"/>
               <a:t>Mark David Chapman: Had Lennon sign his copy of </a:t>
             </a:r>
             <a:r>
-              <a:rPr lang="en-US" i="1" dirty="0" smtClean="0"/>
+              <a:rPr lang="en-US" i="1" dirty="0"/>
               <a:t>Double Fantasy.</a:t>
             </a:r>
-            <a:endParaRPr lang="en-US" dirty="0" smtClean="0"/>
-          </a:p>
-          <a:p>
-            <a:r>
-              <a:rPr lang="en-US" dirty="0" smtClean="0"/>
-              <a:t>Chapman pleaded guilty, sentenced to 20 years to life, still serving</a:t>
-            </a:r>
-            <a:r>
-              <a:rPr lang="en-US" dirty="0" smtClean="0"/>
-              <a:t>….</a:t>
-            </a:r>
-          </a:p>
-          <a:p>
-            <a:r>
-              <a:rPr lang="en-US" dirty="0" smtClean="0"/>
+            <a:endParaRPr lang="en-US" dirty="0"/>
+          </a:p>
+          <a:p>
+            <a:r>
+              <a:rPr lang="en-US" dirty="0"/>
+              <a:t>Chapman pleaded guilty, sentenced to 20 years to life, still serving….</a:t>
+            </a:r>
+          </a:p>
+          <a:p>
+            <a:r>
+              <a:rPr lang="en-US" dirty="0"/>
               <a:t>David Bowie </a:t>
             </a:r>
             <a:r>
-              <a:rPr lang="en-US" smtClean="0"/>
+              <a:rPr lang="en-US"/>
               <a:t>was next?</a:t>
             </a:r>
-            <a:endParaRPr lang="en-US" dirty="0" smtClean="0"/>
-          </a:p>
-          <a:p>
-            <a:endParaRPr lang="en-US" dirty="0" smtClean="0"/>
+            <a:endParaRPr lang="en-US" dirty="0"/>
+          </a:p>
+          <a:p>
+            <a:endParaRPr lang="en-US" dirty="0"/>
           </a:p>
           <a:p>
             <a:endParaRPr lang="en-US" dirty="0"/>
@@ -4933,13 +4809,6 @@
   <p:clrMapOvr>
     <a:masterClrMapping/>
   </p:clrMapOvr>
-  <p:timing>
-    <p:tnLst>
-      <p:par>
-        <p:cTn id="1" dur="indefinite" restart="never" nodeType="tmRoot"/>
-      </p:par>
-    </p:tnLst>
-  </p:timing>
 </p:sld>
 </file>
 
